--- a/architecture_popote.pptx
+++ b/architecture_popote.pptx
@@ -104,6 +104,11 @@
       </a:defRPr>
     </a:lvl9pPr>
   </p:defaultTextStyle>
+  <p:extLst>
+    <p:ext uri="{EFAFB233-063F-42B5-8137-9DF3F51BA10A}">
+      <p15:sldGuideLst xmlns:p15="http://schemas.microsoft.com/office/powerpoint/2012/main"/>
+    </p:ext>
+  </p:extLst>
 </p:presentation>
 </file>
 
@@ -254,7 +259,7 @@
           <a:p>
             <a:fld id="{3952E0FE-D3C5-6540-8E8A-730A4C9B34E4}" type="datetimeFigureOut">
               <a:rPr lang="fr-FR" smtClean="0"/>
-              <a:t>08/07/2024</a:t>
+              <a:t>12/07/2024</a:t>
             </a:fld>
             <a:endParaRPr lang="fr-FR"/>
           </a:p>
@@ -452,7 +457,7 @@
           <a:p>
             <a:fld id="{3952E0FE-D3C5-6540-8E8A-730A4C9B34E4}" type="datetimeFigureOut">
               <a:rPr lang="fr-FR" smtClean="0"/>
-              <a:t>08/07/2024</a:t>
+              <a:t>12/07/2024</a:t>
             </a:fld>
             <a:endParaRPr lang="fr-FR"/>
           </a:p>
@@ -660,7 +665,7 @@
           <a:p>
             <a:fld id="{3952E0FE-D3C5-6540-8E8A-730A4C9B34E4}" type="datetimeFigureOut">
               <a:rPr lang="fr-FR" smtClean="0"/>
-              <a:t>08/07/2024</a:t>
+              <a:t>12/07/2024</a:t>
             </a:fld>
             <a:endParaRPr lang="fr-FR"/>
           </a:p>
@@ -858,7 +863,7 @@
           <a:p>
             <a:fld id="{3952E0FE-D3C5-6540-8E8A-730A4C9B34E4}" type="datetimeFigureOut">
               <a:rPr lang="fr-FR" smtClean="0"/>
-              <a:t>08/07/2024</a:t>
+              <a:t>12/07/2024</a:t>
             </a:fld>
             <a:endParaRPr lang="fr-FR"/>
           </a:p>
@@ -1133,7 +1138,7 @@
           <a:p>
             <a:fld id="{3952E0FE-D3C5-6540-8E8A-730A4C9B34E4}" type="datetimeFigureOut">
               <a:rPr lang="fr-FR" smtClean="0"/>
-              <a:t>08/07/2024</a:t>
+              <a:t>12/07/2024</a:t>
             </a:fld>
             <a:endParaRPr lang="fr-FR"/>
           </a:p>
@@ -1398,7 +1403,7 @@
           <a:p>
             <a:fld id="{3952E0FE-D3C5-6540-8E8A-730A4C9B34E4}" type="datetimeFigureOut">
               <a:rPr lang="fr-FR" smtClean="0"/>
-              <a:t>08/07/2024</a:t>
+              <a:t>12/07/2024</a:t>
             </a:fld>
             <a:endParaRPr lang="fr-FR"/>
           </a:p>
@@ -1810,7 +1815,7 @@
           <a:p>
             <a:fld id="{3952E0FE-D3C5-6540-8E8A-730A4C9B34E4}" type="datetimeFigureOut">
               <a:rPr lang="fr-FR" smtClean="0"/>
-              <a:t>08/07/2024</a:t>
+              <a:t>12/07/2024</a:t>
             </a:fld>
             <a:endParaRPr lang="fr-FR"/>
           </a:p>
@@ -1951,7 +1956,7 @@
           <a:p>
             <a:fld id="{3952E0FE-D3C5-6540-8E8A-730A4C9B34E4}" type="datetimeFigureOut">
               <a:rPr lang="fr-FR" smtClean="0"/>
-              <a:t>08/07/2024</a:t>
+              <a:t>12/07/2024</a:t>
             </a:fld>
             <a:endParaRPr lang="fr-FR"/>
           </a:p>
@@ -2064,7 +2069,7 @@
           <a:p>
             <a:fld id="{3952E0FE-D3C5-6540-8E8A-730A4C9B34E4}" type="datetimeFigureOut">
               <a:rPr lang="fr-FR" smtClean="0"/>
-              <a:t>08/07/2024</a:t>
+              <a:t>12/07/2024</a:t>
             </a:fld>
             <a:endParaRPr lang="fr-FR"/>
           </a:p>
@@ -2375,7 +2380,7 @@
           <a:p>
             <a:fld id="{3952E0FE-D3C5-6540-8E8A-730A4C9B34E4}" type="datetimeFigureOut">
               <a:rPr lang="fr-FR" smtClean="0"/>
-              <a:t>08/07/2024</a:t>
+              <a:t>12/07/2024</a:t>
             </a:fld>
             <a:endParaRPr lang="fr-FR"/>
           </a:p>
@@ -2663,7 +2668,7 @@
           <a:p>
             <a:fld id="{3952E0FE-D3C5-6540-8E8A-730A4C9B34E4}" type="datetimeFigureOut">
               <a:rPr lang="fr-FR" smtClean="0"/>
-              <a:t>08/07/2024</a:t>
+              <a:t>12/07/2024</a:t>
             </a:fld>
             <a:endParaRPr lang="fr-FR"/>
           </a:p>
@@ -2904,7 +2909,7 @@
           <a:p>
             <a:fld id="{3952E0FE-D3C5-6540-8E8A-730A4C9B34E4}" type="datetimeFigureOut">
               <a:rPr lang="fr-FR" smtClean="0"/>
-              <a:t>08/07/2024</a:t>
+              <a:t>12/07/2024</a:t>
             </a:fld>
             <a:endParaRPr lang="fr-FR"/>
           </a:p>
@@ -3381,10 +3386,10 @@
         </p:nvGrpSpPr>
         <p:grpSpPr>
           <a:xfrm>
-            <a:off x="8340811" y="273839"/>
-            <a:ext cx="3423673" cy="4384659"/>
-            <a:chOff x="8187559" y="388883"/>
-            <a:chExt cx="3342289" cy="3951889"/>
+            <a:off x="7871211" y="249326"/>
+            <a:ext cx="3893274" cy="4409173"/>
+            <a:chOff x="8187559" y="366789"/>
+            <a:chExt cx="3342289" cy="3973983"/>
           </a:xfrm>
         </p:grpSpPr>
         <p:sp>
@@ -3453,7 +3458,7 @@
           </p:nvSpPr>
           <p:spPr>
             <a:xfrm>
-              <a:off x="8555420" y="499627"/>
+              <a:off x="8555420" y="366789"/>
               <a:ext cx="2554014" cy="468072"/>
             </a:xfrm>
             <a:prstGeom prst="rect">
@@ -3497,10 +3502,10 @@
         </p:nvGrpSpPr>
         <p:grpSpPr>
           <a:xfrm>
-            <a:off x="8828688" y="1012875"/>
-            <a:ext cx="2501462" cy="2522435"/>
-            <a:chOff x="3184635" y="686381"/>
-            <a:chExt cx="2501462" cy="2574953"/>
+            <a:off x="8182991" y="813198"/>
+            <a:ext cx="3236061" cy="2774190"/>
+            <a:chOff x="3184635" y="676579"/>
+            <a:chExt cx="2501462" cy="2581966"/>
           </a:xfrm>
         </p:grpSpPr>
         <p:grpSp>
@@ -3517,10 +3522,10 @@
           </p:nvGrpSpPr>
           <p:grpSpPr>
             <a:xfrm>
-              <a:off x="3184635" y="686381"/>
-              <a:ext cx="2501462" cy="2574953"/>
-              <a:chOff x="2081048" y="1040524"/>
-              <a:chExt cx="2501462" cy="2574953"/>
+              <a:off x="3184635" y="676579"/>
+              <a:ext cx="2501462" cy="2581966"/>
+              <a:chOff x="2081048" y="1030722"/>
+              <a:chExt cx="2501462" cy="2581966"/>
             </a:xfrm>
           </p:grpSpPr>
           <p:sp>
@@ -3538,7 +3543,7 @@
             <p:spPr>
               <a:xfrm>
                 <a:off x="2081048" y="1040524"/>
-                <a:ext cx="2501462" cy="2574953"/>
+                <a:ext cx="2501462" cy="2572164"/>
               </a:xfrm>
               <a:prstGeom prst="rect">
                 <a:avLst/>
@@ -3589,7 +3594,7 @@
             </p:nvSpPr>
             <p:spPr>
               <a:xfrm>
-                <a:off x="2375336" y="1140581"/>
+                <a:off x="2380592" y="1030722"/>
                 <a:ext cx="1902373" cy="367862"/>
               </a:xfrm>
               <a:prstGeom prst="rect">
@@ -3625,8 +3630,8 @@
           </p:nvSpPr>
           <p:spPr>
             <a:xfrm>
-              <a:off x="3502573" y="1226358"/>
-              <a:ext cx="1902373" cy="504497"/>
+              <a:off x="4019938" y="1021448"/>
+              <a:ext cx="1539585" cy="504497"/>
             </a:xfrm>
             <a:prstGeom prst="rect">
               <a:avLst/>
@@ -3724,8 +3729,8 @@
           </p:nvSpPr>
           <p:spPr>
             <a:xfrm>
-              <a:off x="3502572" y="1861999"/>
-              <a:ext cx="1902373" cy="504497"/>
+              <a:off x="4019938" y="1720215"/>
+              <a:ext cx="1539585" cy="504497"/>
             </a:xfrm>
             <a:prstGeom prst="rect">
               <a:avLst/>
@@ -3839,8 +3844,8 @@
           </p:nvSpPr>
           <p:spPr>
             <a:xfrm>
-              <a:off x="3502572" y="2507533"/>
-              <a:ext cx="1902373" cy="504497"/>
+              <a:off x="4002609" y="2471943"/>
+              <a:ext cx="1556914" cy="504497"/>
             </a:xfrm>
             <a:prstGeom prst="rect">
               <a:avLst/>
@@ -3939,8 +3944,8 @@
         </p:nvSpPr>
         <p:spPr>
           <a:xfrm>
-            <a:off x="8865474" y="3777533"/>
-            <a:ext cx="2490952" cy="573482"/>
+            <a:off x="8182990" y="3879774"/>
+            <a:ext cx="3236061" cy="573482"/>
           </a:xfrm>
           <a:prstGeom prst="rect">
             <a:avLst/>
@@ -4010,7 +4015,7 @@
         </p:nvSpPr>
         <p:spPr>
           <a:xfrm>
-            <a:off x="4515914" y="321734"/>
+            <a:off x="4179112" y="321734"/>
             <a:ext cx="2669059" cy="3126242"/>
           </a:xfrm>
           <a:prstGeom prst="rect">
@@ -4955,7 +4960,7 @@
         </p:nvSpPr>
         <p:spPr>
           <a:xfrm>
-            <a:off x="7288833" y="1291070"/>
+            <a:off x="7071487" y="1375348"/>
             <a:ext cx="790832" cy="369332"/>
           </a:xfrm>
           <a:prstGeom prst="rect">
@@ -5065,7 +5070,7 @@
         </p:nvSpPr>
         <p:spPr>
           <a:xfrm>
-            <a:off x="7287142" y="2658722"/>
+            <a:off x="7073351" y="2677891"/>
             <a:ext cx="1160012" cy="369332"/>
           </a:xfrm>
           <a:prstGeom prst="rect">
@@ -5100,7 +5105,7 @@
         </p:nvSpPr>
         <p:spPr>
           <a:xfrm>
-            <a:off x="3355902" y="2640987"/>
+            <a:off x="3156073" y="2577850"/>
             <a:ext cx="1160012" cy="369332"/>
           </a:xfrm>
           <a:prstGeom prst="rect">
@@ -5130,13 +5135,15 @@
               </a:ext>
             </a:extLst>
           </p:cNvPr>
-          <p:cNvCxnSpPr/>
+          <p:cNvCxnSpPr>
+            <a:cxnSpLocks/>
+          </p:cNvCxnSpPr>
           <p:nvPr/>
         </p:nvCxnSpPr>
         <p:spPr>
           <a:xfrm>
             <a:off x="2893004" y="2931502"/>
-            <a:ext cx="1522539" cy="179878"/>
+            <a:ext cx="1193037" cy="163502"/>
           </a:xfrm>
           <a:prstGeom prst="straightConnector1">
             <a:avLst/>
@@ -5177,8 +5184,8 @@
         </p:nvCxnSpPr>
         <p:spPr>
           <a:xfrm>
-            <a:off x="7211534" y="3153024"/>
-            <a:ext cx="1129277" cy="0"/>
+            <a:off x="6913280" y="3174045"/>
+            <a:ext cx="953868" cy="0"/>
           </a:xfrm>
           <a:prstGeom prst="straightConnector1">
             <a:avLst/>
@@ -5337,8 +5344,8 @@
         </p:nvCxnSpPr>
         <p:spPr>
           <a:xfrm flipV="1">
-            <a:off x="2825454" y="1800001"/>
-            <a:ext cx="1613761" cy="335689"/>
+            <a:off x="2825454" y="1804344"/>
+            <a:ext cx="1293582" cy="331346"/>
           </a:xfrm>
           <a:prstGeom prst="straightConnector1">
             <a:avLst/>
@@ -5380,8 +5387,8 @@
         </p:nvCxnSpPr>
         <p:spPr>
           <a:xfrm>
-            <a:off x="7184973" y="1884855"/>
-            <a:ext cx="1194386" cy="0"/>
+            <a:off x="6848171" y="1884855"/>
+            <a:ext cx="1014148" cy="0"/>
           </a:xfrm>
           <a:prstGeom prst="straightConnector1">
             <a:avLst/>
@@ -5406,6 +5413,93 @@
           </a:fontRef>
         </p:style>
       </p:cxnSp>
+      <p:sp>
+        <p:nvSpPr>
+          <p:cNvPr id="4" name="Rectangle 3">
+            <a:extLst>
+              <a:ext uri="{FF2B5EF4-FFF2-40B4-BE49-F238E27FC236}">
+                <a16:creationId xmlns:a16="http://schemas.microsoft.com/office/drawing/2014/main" id="{61BE18C5-1A41-C169-0854-BE7470DD9ACD}"/>
+              </a:ext>
+            </a:extLst>
+          </p:cNvPr>
+          <p:cNvSpPr/>
+          <p:nvPr/>
+        </p:nvSpPr>
+        <p:spPr>
+          <a:xfrm>
+            <a:off x="8465198" y="1232961"/>
+            <a:ext cx="477726" cy="2100537"/>
+          </a:xfrm>
+          <a:prstGeom prst="rect">
+            <a:avLst/>
+          </a:prstGeom>
+          <a:solidFill>
+            <a:schemeClr val="accent2">
+              <a:lumMod val="20000"/>
+              <a:lumOff val="80000"/>
+            </a:schemeClr>
+          </a:solidFill>
+        </p:spPr>
+        <p:style>
+          <a:lnRef idx="2">
+            <a:schemeClr val="accent1">
+              <a:shade val="15000"/>
+            </a:schemeClr>
+          </a:lnRef>
+          <a:fillRef idx="1">
+            <a:schemeClr val="accent1"/>
+          </a:fillRef>
+          <a:effectRef idx="0">
+            <a:schemeClr val="accent1"/>
+          </a:effectRef>
+          <a:fontRef idx="minor">
+            <a:schemeClr val="lt1"/>
+          </a:fontRef>
+        </p:style>
+        <p:txBody>
+          <a:bodyPr rtlCol="0" anchor="ctr"/>
+          <a:lstStyle/>
+          <a:p>
+            <a:pPr algn="ctr"/>
+            <a:endParaRPr lang="fr-FR" dirty="0"/>
+          </a:p>
+        </p:txBody>
+      </p:sp>
+      <p:sp>
+        <p:nvSpPr>
+          <p:cNvPr id="5" name="ZoneTexte 4">
+            <a:extLst>
+              <a:ext uri="{FF2B5EF4-FFF2-40B4-BE49-F238E27FC236}">
+                <a16:creationId xmlns:a16="http://schemas.microsoft.com/office/drawing/2014/main" id="{23E8156B-4E45-CC2E-46C2-A1C12C65F7A4}"/>
+              </a:ext>
+            </a:extLst>
+          </p:cNvPr>
+          <p:cNvSpPr txBox="1"/>
+          <p:nvPr/>
+        </p:nvSpPr>
+        <p:spPr>
+          <a:xfrm rot="16200000">
+            <a:off x="8342098" y="2031971"/>
+            <a:ext cx="761243" cy="369332"/>
+          </a:xfrm>
+          <a:prstGeom prst="rect">
+            <a:avLst/>
+          </a:prstGeom>
+          <a:noFill/>
+        </p:spPr>
+        <p:txBody>
+          <a:bodyPr wrap="square" rtlCol="0">
+            <a:spAutoFit/>
+          </a:bodyPr>
+          <a:lstStyle/>
+          <a:p>
+            <a:r>
+              <a:rPr lang="fr-FR" dirty="0"/>
+              <a:t>Nginx</a:t>
+            </a:r>
+          </a:p>
+        </p:txBody>
+      </p:sp>
     </p:spTree>
     <p:extLst>
       <p:ext uri="{BB962C8B-B14F-4D97-AF65-F5344CB8AC3E}">

--- a/architecture_popote.pptx
+++ b/architecture_popote.pptx
@@ -4,6 +4,9 @@
   <p:sldMasterIdLst>
     <p:sldMasterId id="2147483648" r:id="rId1"/>
   </p:sldMasterIdLst>
+  <p:notesMasterIdLst>
+    <p:notesMasterId r:id="rId3"/>
+  </p:notesMasterIdLst>
   <p:sldIdLst>
     <p:sldId id="256" r:id="rId2"/>
   </p:sldIdLst>
@@ -112,6 +115,355 @@
 </p:presentation>
 </file>
 
+<file path=ppt/notesMasters/notesMaster1.xml><?xml version="1.0" encoding="utf-8"?>
+<p:notesMaster xmlns:a="http://schemas.openxmlformats.org/drawingml/2006/main" xmlns:r="http://schemas.openxmlformats.org/officeDocument/2006/relationships" xmlns:p="http://schemas.openxmlformats.org/presentationml/2006/main">
+  <p:cSld>
+    <p:bg>
+      <p:bgRef idx="1001">
+        <a:schemeClr val="bg1"/>
+      </p:bgRef>
+    </p:bg>
+    <p:spTree>
+      <p:nvGrpSpPr>
+        <p:cNvPr id="1" name=""/>
+        <p:cNvGrpSpPr/>
+        <p:nvPr/>
+      </p:nvGrpSpPr>
+      <p:grpSpPr>
+        <a:xfrm>
+          <a:off x="0" y="0"/>
+          <a:ext cx="0" cy="0"/>
+          <a:chOff x="0" y="0"/>
+          <a:chExt cx="0" cy="0"/>
+        </a:xfrm>
+      </p:grpSpPr>
+      <p:sp>
+        <p:nvSpPr>
+          <p:cNvPr id="2" name="Espace réservé de l'en-tête 1"/>
+          <p:cNvSpPr>
+            <a:spLocks noGrp="1"/>
+          </p:cNvSpPr>
+          <p:nvPr>
+            <p:ph type="hdr" sz="quarter"/>
+          </p:nvPr>
+        </p:nvSpPr>
+        <p:spPr>
+          <a:xfrm>
+            <a:off x="0" y="0"/>
+            <a:ext cx="2971800" cy="458788"/>
+          </a:xfrm>
+          <a:prstGeom prst="rect">
+            <a:avLst/>
+          </a:prstGeom>
+        </p:spPr>
+        <p:txBody>
+          <a:bodyPr vert="horz" lIns="91440" tIns="45720" rIns="91440" bIns="45720" rtlCol="0"/>
+          <a:lstStyle>
+            <a:lvl1pPr algn="l">
+              <a:defRPr sz="1200"/>
+            </a:lvl1pPr>
+          </a:lstStyle>
+          <a:p>
+            <a:endParaRPr lang="fr-FR"/>
+          </a:p>
+        </p:txBody>
+      </p:sp>
+      <p:sp>
+        <p:nvSpPr>
+          <p:cNvPr id="3" name="Espace réservé de la date 2"/>
+          <p:cNvSpPr>
+            <a:spLocks noGrp="1"/>
+          </p:cNvSpPr>
+          <p:nvPr>
+            <p:ph type="dt" idx="1"/>
+          </p:nvPr>
+        </p:nvSpPr>
+        <p:spPr>
+          <a:xfrm>
+            <a:off x="3884613" y="0"/>
+            <a:ext cx="2971800" cy="458788"/>
+          </a:xfrm>
+          <a:prstGeom prst="rect">
+            <a:avLst/>
+          </a:prstGeom>
+        </p:spPr>
+        <p:txBody>
+          <a:bodyPr vert="horz" lIns="91440" tIns="45720" rIns="91440" bIns="45720" rtlCol="0"/>
+          <a:lstStyle>
+            <a:lvl1pPr algn="r">
+              <a:defRPr sz="1200"/>
+            </a:lvl1pPr>
+          </a:lstStyle>
+          <a:p>
+            <a:fld id="{EBDA1805-98B6-E740-8267-BB3373B8287A}" type="datetimeFigureOut">
+              <a:rPr lang="fr-FR" smtClean="0"/>
+              <a:t>12/07/2024</a:t>
+            </a:fld>
+            <a:endParaRPr lang="fr-FR"/>
+          </a:p>
+        </p:txBody>
+      </p:sp>
+      <p:sp>
+        <p:nvSpPr>
+          <p:cNvPr id="4" name="Espace réservé de l'image des diapositives 3"/>
+          <p:cNvSpPr>
+            <a:spLocks noGrp="1" noRot="1" noChangeAspect="1"/>
+          </p:cNvSpPr>
+          <p:nvPr>
+            <p:ph type="sldImg" idx="2"/>
+          </p:nvPr>
+        </p:nvSpPr>
+        <p:spPr>
+          <a:xfrm>
+            <a:off x="685800" y="1143000"/>
+            <a:ext cx="5486400" cy="3086100"/>
+          </a:xfrm>
+          <a:prstGeom prst="rect">
+            <a:avLst/>
+          </a:prstGeom>
+          <a:noFill/>
+          <a:ln w="12700">
+            <a:solidFill>
+              <a:prstClr val="black"/>
+            </a:solidFill>
+          </a:ln>
+        </p:spPr>
+        <p:txBody>
+          <a:bodyPr vert="horz" lIns="91440" tIns="45720" rIns="91440" bIns="45720" rtlCol="0" anchor="ctr"/>
+          <a:lstStyle/>
+          <a:p>
+            <a:endParaRPr lang="fr-FR"/>
+          </a:p>
+        </p:txBody>
+      </p:sp>
+      <p:sp>
+        <p:nvSpPr>
+          <p:cNvPr id="5" name="Espace réservé des notes 4"/>
+          <p:cNvSpPr>
+            <a:spLocks noGrp="1"/>
+          </p:cNvSpPr>
+          <p:nvPr>
+            <p:ph type="body" sz="quarter" idx="3"/>
+          </p:nvPr>
+        </p:nvSpPr>
+        <p:spPr>
+          <a:xfrm>
+            <a:off x="685800" y="4400550"/>
+            <a:ext cx="5486400" cy="3600450"/>
+          </a:xfrm>
+          <a:prstGeom prst="rect">
+            <a:avLst/>
+          </a:prstGeom>
+        </p:spPr>
+        <p:txBody>
+          <a:bodyPr vert="horz" lIns="91440" tIns="45720" rIns="91440" bIns="45720" rtlCol="0"/>
+          <a:lstStyle/>
+          <a:p>
+            <a:pPr lvl="0"/>
+            <a:r>
+              <a:rPr lang="fr-FR"/>
+              <a:t>Cliquez pour modifier les styles du texte du masque</a:t>
+            </a:r>
+          </a:p>
+          <a:p>
+            <a:pPr lvl="1"/>
+            <a:r>
+              <a:rPr lang="fr-FR"/>
+              <a:t>Deuxième niveau</a:t>
+            </a:r>
+          </a:p>
+          <a:p>
+            <a:pPr lvl="2"/>
+            <a:r>
+              <a:rPr lang="fr-FR"/>
+              <a:t>Troisième niveau</a:t>
+            </a:r>
+          </a:p>
+          <a:p>
+            <a:pPr lvl="3"/>
+            <a:r>
+              <a:rPr lang="fr-FR"/>
+              <a:t>Quatrième niveau</a:t>
+            </a:r>
+          </a:p>
+          <a:p>
+            <a:pPr lvl="4"/>
+            <a:r>
+              <a:rPr lang="fr-FR"/>
+              <a:t>Cinquième niveau</a:t>
+            </a:r>
+          </a:p>
+        </p:txBody>
+      </p:sp>
+      <p:sp>
+        <p:nvSpPr>
+          <p:cNvPr id="6" name="Espace réservé du pied de page 5"/>
+          <p:cNvSpPr>
+            <a:spLocks noGrp="1"/>
+          </p:cNvSpPr>
+          <p:nvPr>
+            <p:ph type="ftr" sz="quarter" idx="4"/>
+          </p:nvPr>
+        </p:nvSpPr>
+        <p:spPr>
+          <a:xfrm>
+            <a:off x="0" y="8685213"/>
+            <a:ext cx="2971800" cy="458787"/>
+          </a:xfrm>
+          <a:prstGeom prst="rect">
+            <a:avLst/>
+          </a:prstGeom>
+        </p:spPr>
+        <p:txBody>
+          <a:bodyPr vert="horz" lIns="91440" tIns="45720" rIns="91440" bIns="45720" rtlCol="0" anchor="b"/>
+          <a:lstStyle>
+            <a:lvl1pPr algn="l">
+              <a:defRPr sz="1200"/>
+            </a:lvl1pPr>
+          </a:lstStyle>
+          <a:p>
+            <a:endParaRPr lang="fr-FR"/>
+          </a:p>
+        </p:txBody>
+      </p:sp>
+      <p:sp>
+        <p:nvSpPr>
+          <p:cNvPr id="7" name="Espace réservé du numéro de diapositive 6"/>
+          <p:cNvSpPr>
+            <a:spLocks noGrp="1"/>
+          </p:cNvSpPr>
+          <p:nvPr>
+            <p:ph type="sldNum" sz="quarter" idx="5"/>
+          </p:nvPr>
+        </p:nvSpPr>
+        <p:spPr>
+          <a:xfrm>
+            <a:off x="3884613" y="8685213"/>
+            <a:ext cx="2971800" cy="458787"/>
+          </a:xfrm>
+          <a:prstGeom prst="rect">
+            <a:avLst/>
+          </a:prstGeom>
+        </p:spPr>
+        <p:txBody>
+          <a:bodyPr vert="horz" lIns="91440" tIns="45720" rIns="91440" bIns="45720" rtlCol="0" anchor="b"/>
+          <a:lstStyle>
+            <a:lvl1pPr algn="r">
+              <a:defRPr sz="1200"/>
+            </a:lvl1pPr>
+          </a:lstStyle>
+          <a:p>
+            <a:fld id="{C4257755-E4DB-CF45-9B89-440299D51BF6}" type="slidenum">
+              <a:rPr lang="fr-FR" smtClean="0"/>
+              <a:t>‹N°›</a:t>
+            </a:fld>
+            <a:endParaRPr lang="fr-FR"/>
+          </a:p>
+        </p:txBody>
+      </p:sp>
+    </p:spTree>
+    <p:extLst>
+      <p:ext uri="{BB962C8B-B14F-4D97-AF65-F5344CB8AC3E}">
+        <p14:creationId xmlns:p14="http://schemas.microsoft.com/office/powerpoint/2010/main" val="1398998623"/>
+      </p:ext>
+    </p:extLst>
+  </p:cSld>
+  <p:clrMap bg1="lt1" tx1="dk1" bg2="lt2" tx2="dk2" accent1="accent1" accent2="accent2" accent3="accent3" accent4="accent4" accent5="accent5" accent6="accent6" hlink="hlink" folHlink="folHlink"/>
+  <p:notesStyle>
+    <a:lvl1pPr marL="0" algn="l" defTabSz="914400" rtl="0" eaLnBrk="1" latinLnBrk="0" hangingPunct="1">
+      <a:defRPr sz="1200" kern="1200">
+        <a:solidFill>
+          <a:schemeClr val="tx1"/>
+        </a:solidFill>
+        <a:latin typeface="+mn-lt"/>
+        <a:ea typeface="+mn-ea"/>
+        <a:cs typeface="+mn-cs"/>
+      </a:defRPr>
+    </a:lvl1pPr>
+    <a:lvl2pPr marL="457200" algn="l" defTabSz="914400" rtl="0" eaLnBrk="1" latinLnBrk="0" hangingPunct="1">
+      <a:defRPr sz="1200" kern="1200">
+        <a:solidFill>
+          <a:schemeClr val="tx1"/>
+        </a:solidFill>
+        <a:latin typeface="+mn-lt"/>
+        <a:ea typeface="+mn-ea"/>
+        <a:cs typeface="+mn-cs"/>
+      </a:defRPr>
+    </a:lvl2pPr>
+    <a:lvl3pPr marL="914400" algn="l" defTabSz="914400" rtl="0" eaLnBrk="1" latinLnBrk="0" hangingPunct="1">
+      <a:defRPr sz="1200" kern="1200">
+        <a:solidFill>
+          <a:schemeClr val="tx1"/>
+        </a:solidFill>
+        <a:latin typeface="+mn-lt"/>
+        <a:ea typeface="+mn-ea"/>
+        <a:cs typeface="+mn-cs"/>
+      </a:defRPr>
+    </a:lvl3pPr>
+    <a:lvl4pPr marL="1371600" algn="l" defTabSz="914400" rtl="0" eaLnBrk="1" latinLnBrk="0" hangingPunct="1">
+      <a:defRPr sz="1200" kern="1200">
+        <a:solidFill>
+          <a:schemeClr val="tx1"/>
+        </a:solidFill>
+        <a:latin typeface="+mn-lt"/>
+        <a:ea typeface="+mn-ea"/>
+        <a:cs typeface="+mn-cs"/>
+      </a:defRPr>
+    </a:lvl4pPr>
+    <a:lvl5pPr marL="1828800" algn="l" defTabSz="914400" rtl="0" eaLnBrk="1" latinLnBrk="0" hangingPunct="1">
+      <a:defRPr sz="1200" kern="1200">
+        <a:solidFill>
+          <a:schemeClr val="tx1"/>
+        </a:solidFill>
+        <a:latin typeface="+mn-lt"/>
+        <a:ea typeface="+mn-ea"/>
+        <a:cs typeface="+mn-cs"/>
+      </a:defRPr>
+    </a:lvl5pPr>
+    <a:lvl6pPr marL="2286000" algn="l" defTabSz="914400" rtl="0" eaLnBrk="1" latinLnBrk="0" hangingPunct="1">
+      <a:defRPr sz="1200" kern="1200">
+        <a:solidFill>
+          <a:schemeClr val="tx1"/>
+        </a:solidFill>
+        <a:latin typeface="+mn-lt"/>
+        <a:ea typeface="+mn-ea"/>
+        <a:cs typeface="+mn-cs"/>
+      </a:defRPr>
+    </a:lvl6pPr>
+    <a:lvl7pPr marL="2743200" algn="l" defTabSz="914400" rtl="0" eaLnBrk="1" latinLnBrk="0" hangingPunct="1">
+      <a:defRPr sz="1200" kern="1200">
+        <a:solidFill>
+          <a:schemeClr val="tx1"/>
+        </a:solidFill>
+        <a:latin typeface="+mn-lt"/>
+        <a:ea typeface="+mn-ea"/>
+        <a:cs typeface="+mn-cs"/>
+      </a:defRPr>
+    </a:lvl7pPr>
+    <a:lvl8pPr marL="3200400" algn="l" defTabSz="914400" rtl="0" eaLnBrk="1" latinLnBrk="0" hangingPunct="1">
+      <a:defRPr sz="1200" kern="1200">
+        <a:solidFill>
+          <a:schemeClr val="tx1"/>
+        </a:solidFill>
+        <a:latin typeface="+mn-lt"/>
+        <a:ea typeface="+mn-ea"/>
+        <a:cs typeface="+mn-cs"/>
+      </a:defRPr>
+    </a:lvl8pPr>
+    <a:lvl9pPr marL="3657600" algn="l" defTabSz="914400" rtl="0" eaLnBrk="1" latinLnBrk="0" hangingPunct="1">
+      <a:defRPr sz="1200" kern="1200">
+        <a:solidFill>
+          <a:schemeClr val="tx1"/>
+        </a:solidFill>
+        <a:latin typeface="+mn-lt"/>
+        <a:ea typeface="+mn-ea"/>
+        <a:cs typeface="+mn-cs"/>
+      </a:defRPr>
+    </a:lvl9pPr>
+  </p:notesStyle>
+</p:notesMaster>
+</file>
+
 <file path=ppt/slideLayouts/slideLayout1.xml><?xml version="1.0" encoding="utf-8"?>
 <p:sldLayout xmlns:a="http://schemas.openxmlformats.org/drawingml/2006/main" xmlns:r="http://schemas.openxmlformats.org/officeDocument/2006/relationships" xmlns:p="http://schemas.openxmlformats.org/presentationml/2006/main" type="title" preserve="1">
   <p:cSld name="Diapositive de titre">
@@ -257,7 +609,7 @@
           <a:bodyPr/>
           <a:lstStyle/>
           <a:p>
-            <a:fld id="{3952E0FE-D3C5-6540-8E8A-730A4C9B34E4}" type="datetimeFigureOut">
+            <a:fld id="{5E4C8C83-75DE-AE4B-A0F8-283A8F59F58B}" type="datetime1">
               <a:rPr lang="fr-FR" smtClean="0"/>
               <a:t>12/07/2024</a:t>
             </a:fld>
@@ -455,7 +807,7 @@
           <a:bodyPr/>
           <a:lstStyle/>
           <a:p>
-            <a:fld id="{3952E0FE-D3C5-6540-8E8A-730A4C9B34E4}" type="datetimeFigureOut">
+            <a:fld id="{D9A93060-B9BE-3A48-8324-9B7C210770F6}" type="datetime1">
               <a:rPr lang="fr-FR" smtClean="0"/>
               <a:t>12/07/2024</a:t>
             </a:fld>
@@ -663,7 +1015,7 @@
           <a:bodyPr/>
           <a:lstStyle/>
           <a:p>
-            <a:fld id="{3952E0FE-D3C5-6540-8E8A-730A4C9B34E4}" type="datetimeFigureOut">
+            <a:fld id="{9463F39F-8424-9548-92E7-B6BD80E10142}" type="datetime1">
               <a:rPr lang="fr-FR" smtClean="0"/>
               <a:t>12/07/2024</a:t>
             </a:fld>
@@ -861,7 +1213,7 @@
           <a:bodyPr/>
           <a:lstStyle/>
           <a:p>
-            <a:fld id="{3952E0FE-D3C5-6540-8E8A-730A4C9B34E4}" type="datetimeFigureOut">
+            <a:fld id="{865372B7-7B2A-5449-A14E-12A2488A75EC}" type="datetime1">
               <a:rPr lang="fr-FR" smtClean="0"/>
               <a:t>12/07/2024</a:t>
             </a:fld>
@@ -1136,7 +1488,7 @@
           <a:bodyPr/>
           <a:lstStyle/>
           <a:p>
-            <a:fld id="{3952E0FE-D3C5-6540-8E8A-730A4C9B34E4}" type="datetimeFigureOut">
+            <a:fld id="{8B7E6C88-DA27-3845-9B5E-8AE4986699DE}" type="datetime1">
               <a:rPr lang="fr-FR" smtClean="0"/>
               <a:t>12/07/2024</a:t>
             </a:fld>
@@ -1401,7 +1753,7 @@
           <a:bodyPr/>
           <a:lstStyle/>
           <a:p>
-            <a:fld id="{3952E0FE-D3C5-6540-8E8A-730A4C9B34E4}" type="datetimeFigureOut">
+            <a:fld id="{E3708E8C-6216-0048-8954-CE466BEE19EA}" type="datetime1">
               <a:rPr lang="fr-FR" smtClean="0"/>
               <a:t>12/07/2024</a:t>
             </a:fld>
@@ -1813,7 +2165,7 @@
           <a:bodyPr/>
           <a:lstStyle/>
           <a:p>
-            <a:fld id="{3952E0FE-D3C5-6540-8E8A-730A4C9B34E4}" type="datetimeFigureOut">
+            <a:fld id="{0E9C7A03-ECBF-684A-8EE3-94856F26DCB0}" type="datetime1">
               <a:rPr lang="fr-FR" smtClean="0"/>
               <a:t>12/07/2024</a:t>
             </a:fld>
@@ -1954,7 +2306,7 @@
           <a:bodyPr/>
           <a:lstStyle/>
           <a:p>
-            <a:fld id="{3952E0FE-D3C5-6540-8E8A-730A4C9B34E4}" type="datetimeFigureOut">
+            <a:fld id="{79DCABD4-128F-9A4A-9FCB-6976EAEC173F}" type="datetime1">
               <a:rPr lang="fr-FR" smtClean="0"/>
               <a:t>12/07/2024</a:t>
             </a:fld>
@@ -2067,7 +2419,7 @@
           <a:bodyPr/>
           <a:lstStyle/>
           <a:p>
-            <a:fld id="{3952E0FE-D3C5-6540-8E8A-730A4C9B34E4}" type="datetimeFigureOut">
+            <a:fld id="{E076E528-B5EC-9C46-A428-B9727C76F820}" type="datetime1">
               <a:rPr lang="fr-FR" smtClean="0"/>
               <a:t>12/07/2024</a:t>
             </a:fld>
@@ -2378,7 +2730,7 @@
           <a:bodyPr/>
           <a:lstStyle/>
           <a:p>
-            <a:fld id="{3952E0FE-D3C5-6540-8E8A-730A4C9B34E4}" type="datetimeFigureOut">
+            <a:fld id="{77C882D7-C8E7-294E-BE6F-3E27ABEEAF44}" type="datetime1">
               <a:rPr lang="fr-FR" smtClean="0"/>
               <a:t>12/07/2024</a:t>
             </a:fld>
@@ -2666,7 +3018,7 @@
           <a:bodyPr/>
           <a:lstStyle/>
           <a:p>
-            <a:fld id="{3952E0FE-D3C5-6540-8E8A-730A4C9B34E4}" type="datetimeFigureOut">
+            <a:fld id="{95AB6688-898E-AC45-8D09-28A5E817A8B7}" type="datetime1">
               <a:rPr lang="fr-FR" smtClean="0"/>
               <a:t>12/07/2024</a:t>
             </a:fld>
@@ -2907,7 +3259,7 @@
             </a:lvl1pPr>
           </a:lstStyle>
           <a:p>
-            <a:fld id="{3952E0FE-D3C5-6540-8E8A-730A4C9B34E4}" type="datetimeFigureOut">
+            <a:fld id="{A86AB277-0BA6-114A-9868-A25C2DCEC67B}" type="datetime1">
               <a:rPr lang="fr-FR" smtClean="0"/>
               <a:t>12/07/2024</a:t>
             </a:fld>
@@ -3002,52 +3354,6 @@
               <a:t>‹N°›</a:t>
             </a:fld>
             <a:endParaRPr lang="fr-FR"/>
-          </a:p>
-        </p:txBody>
-      </p:sp>
-      <p:sp>
-        <p:nvSpPr>
-          <p:cNvPr id="8" name="ZoneTexte 7">
-            <a:extLst>
-              <a:ext uri="{FF2B5EF4-FFF2-40B4-BE49-F238E27FC236}">
-                <a16:creationId xmlns:a16="http://schemas.microsoft.com/office/drawing/2014/main" id="{275DFDA6-9CA0-828C-A58A-845844B6B376}"/>
-              </a:ext>
-            </a:extLst>
-          </p:cNvPr>
-          <p:cNvSpPr txBox="1"/>
-          <p:nvPr userDrawn="1">
-            <p:extLst>
-              <p:ext uri="{1162E1C5-73C7-4A58-AE30-91384D911F3F}">
-                <p184:classification xmlns:p184="http://schemas.microsoft.com/office/powerpoint/2018/4/main" val="ftr"/>
-              </p:ext>
-            </p:extLst>
-          </p:nvPr>
-        </p:nvSpPr>
-        <p:spPr>
-          <a:xfrm>
-            <a:off x="5653850" y="6672580"/>
-            <a:ext cx="912812" cy="121920"/>
-          </a:xfrm>
-          <a:prstGeom prst="rect">
-            <a:avLst/>
-          </a:prstGeom>
-        </p:spPr>
-        <p:txBody>
-          <a:bodyPr horzOverflow="overflow" lIns="0" tIns="0" rIns="0" bIns="0">
-            <a:spAutoFit/>
-          </a:bodyPr>
-          <a:lstStyle/>
-          <a:p>
-            <a:pPr algn="l"/>
-            <a:r>
-              <a:rPr lang="fr-FR" sz="800">
-                <a:solidFill>
-                  <a:srgbClr val="ED7D31"/>
-                </a:solidFill>
-                <a:latin typeface="Helvetica 75 Bold" pitchFamily="2" charset="0"/>
-              </a:rPr>
-              <a:t>Orange Restricted</a:t>
-            </a:r>
           </a:p>
         </p:txBody>
       </p:sp>
@@ -3072,6 +3378,7 @@
     <p:sldLayoutId id="2147483658" r:id="rId10"/>
     <p:sldLayoutId id="2147483659" r:id="rId11"/>
   </p:sldLayoutIdLst>
+  <p:hf sldNum="0" hdr="0" ftr="0" dt="0"/>
   <p:txStyles>
     <p:titleStyle>
       <a:lvl1pPr algn="l" defTabSz="914400" rtl="0" eaLnBrk="1" latinLnBrk="0" hangingPunct="1">
@@ -5828,8 +6135,323 @@
 </a:theme>
 </file>
 
+<file path=ppt/theme/theme2.xml><?xml version="1.0" encoding="utf-8"?>
+<a:theme xmlns:a="http://schemas.openxmlformats.org/drawingml/2006/main" name="Thème Office">
+  <a:themeElements>
+    <a:clrScheme name="Office">
+      <a:dk1>
+        <a:sysClr val="windowText" lastClr="000000"/>
+      </a:dk1>
+      <a:lt1>
+        <a:sysClr val="window" lastClr="FFFFFF"/>
+      </a:lt1>
+      <a:dk2>
+        <a:srgbClr val="0E2841"/>
+      </a:dk2>
+      <a:lt2>
+        <a:srgbClr val="E8E8E8"/>
+      </a:lt2>
+      <a:accent1>
+        <a:srgbClr val="156082"/>
+      </a:accent1>
+      <a:accent2>
+        <a:srgbClr val="E97132"/>
+      </a:accent2>
+      <a:accent3>
+        <a:srgbClr val="196B24"/>
+      </a:accent3>
+      <a:accent4>
+        <a:srgbClr val="0F9ED5"/>
+      </a:accent4>
+      <a:accent5>
+        <a:srgbClr val="A02B93"/>
+      </a:accent5>
+      <a:accent6>
+        <a:srgbClr val="4EA72E"/>
+      </a:accent6>
+      <a:hlink>
+        <a:srgbClr val="467886"/>
+      </a:hlink>
+      <a:folHlink>
+        <a:srgbClr val="96607D"/>
+      </a:folHlink>
+    </a:clrScheme>
+    <a:fontScheme name="Office">
+      <a:majorFont>
+        <a:latin typeface="Aptos Display" panose="02110004020202020204"/>
+        <a:ea typeface=""/>
+        <a:cs typeface=""/>
+        <a:font script="Jpan" typeface="游ゴシック Light"/>
+        <a:font script="Hang" typeface="맑은 고딕"/>
+        <a:font script="Hans" typeface="等线 Light"/>
+        <a:font script="Hant" typeface="新細明體"/>
+        <a:font script="Arab" typeface="Times New Roman"/>
+        <a:font script="Hebr" typeface="Times New Roman"/>
+        <a:font script="Thai" typeface="Angsana New"/>
+        <a:font script="Ethi" typeface="Nyala"/>
+        <a:font script="Beng" typeface="Vrinda"/>
+        <a:font script="Gujr" typeface="Shruti"/>
+        <a:font script="Khmr" typeface="MoolBoran"/>
+        <a:font script="Knda" typeface="Tunga"/>
+        <a:font script="Guru" typeface="Raavi"/>
+        <a:font script="Cans" typeface="Euphemia"/>
+        <a:font script="Cher" typeface="Plantagenet Cherokee"/>
+        <a:font script="Yiii" typeface="Microsoft Yi Baiti"/>
+        <a:font script="Tibt" typeface="Microsoft Himalaya"/>
+        <a:font script="Thaa" typeface="MV Boli"/>
+        <a:font script="Deva" typeface="Mangal"/>
+        <a:font script="Telu" typeface="Gautami"/>
+        <a:font script="Taml" typeface="Latha"/>
+        <a:font script="Syrc" typeface="Estrangelo Edessa"/>
+        <a:font script="Orya" typeface="Kalinga"/>
+        <a:font script="Mlym" typeface="Kartika"/>
+        <a:font script="Laoo" typeface="DokChampa"/>
+        <a:font script="Sinh" typeface="Iskoola Pota"/>
+        <a:font script="Mong" typeface="Mongolian Baiti"/>
+        <a:font script="Viet" typeface="Times New Roman"/>
+        <a:font script="Uigh" typeface="Microsoft Uighur"/>
+        <a:font script="Geor" typeface="Sylfaen"/>
+        <a:font script="Armn" typeface="Arial"/>
+        <a:font script="Bugi" typeface="Leelawadee UI"/>
+        <a:font script="Bopo" typeface="Microsoft JhengHei"/>
+        <a:font script="Java" typeface="Javanese Text"/>
+        <a:font script="Lisu" typeface="Segoe UI"/>
+        <a:font script="Mymr" typeface="Myanmar Text"/>
+        <a:font script="Nkoo" typeface="Ebrima"/>
+        <a:font script="Olck" typeface="Nirmala UI"/>
+        <a:font script="Osma" typeface="Ebrima"/>
+        <a:font script="Phag" typeface="Phagspa"/>
+        <a:font script="Syrn" typeface="Estrangelo Edessa"/>
+        <a:font script="Syrj" typeface="Estrangelo Edessa"/>
+        <a:font script="Syre" typeface="Estrangelo Edessa"/>
+        <a:font script="Sora" typeface="Nirmala UI"/>
+        <a:font script="Tale" typeface="Microsoft Tai Le"/>
+        <a:font script="Talu" typeface="Microsoft New Tai Lue"/>
+        <a:font script="Tfng" typeface="Ebrima"/>
+      </a:majorFont>
+      <a:minorFont>
+        <a:latin typeface="Aptos" panose="02110004020202020204"/>
+        <a:ea typeface=""/>
+        <a:cs typeface=""/>
+        <a:font script="Jpan" typeface="游ゴシック"/>
+        <a:font script="Hang" typeface="맑은 고딕"/>
+        <a:font script="Hans" typeface="等线"/>
+        <a:font script="Hant" typeface="新細明體"/>
+        <a:font script="Arab" typeface="Arial"/>
+        <a:font script="Hebr" typeface="Arial"/>
+        <a:font script="Thai" typeface="Cordia New"/>
+        <a:font script="Ethi" typeface="Nyala"/>
+        <a:font script="Beng" typeface="Vrinda"/>
+        <a:font script="Gujr" typeface="Shruti"/>
+        <a:font script="Khmr" typeface="DaunPenh"/>
+        <a:font script="Knda" typeface="Tunga"/>
+        <a:font script="Guru" typeface="Raavi"/>
+        <a:font script="Cans" typeface="Euphemia"/>
+        <a:font script="Cher" typeface="Plantagenet Cherokee"/>
+        <a:font script="Yiii" typeface="Microsoft Yi Baiti"/>
+        <a:font script="Tibt" typeface="Microsoft Himalaya"/>
+        <a:font script="Thaa" typeface="MV Boli"/>
+        <a:font script="Deva" typeface="Mangal"/>
+        <a:font script="Telu" typeface="Gautami"/>
+        <a:font script="Taml" typeface="Latha"/>
+        <a:font script="Syrc" typeface="Estrangelo Edessa"/>
+        <a:font script="Orya" typeface="Kalinga"/>
+        <a:font script="Mlym" typeface="Kartika"/>
+        <a:font script="Laoo" typeface="DokChampa"/>
+        <a:font script="Sinh" typeface="Iskoola Pota"/>
+        <a:font script="Mong" typeface="Mongolian Baiti"/>
+        <a:font script="Viet" typeface="Arial"/>
+        <a:font script="Uigh" typeface="Microsoft Uighur"/>
+        <a:font script="Geor" typeface="Sylfaen"/>
+        <a:font script="Armn" typeface="Arial"/>
+        <a:font script="Bugi" typeface="Leelawadee UI"/>
+        <a:font script="Bopo" typeface="Microsoft JhengHei"/>
+        <a:font script="Java" typeface="Javanese Text"/>
+        <a:font script="Lisu" typeface="Segoe UI"/>
+        <a:font script="Mymr" typeface="Myanmar Text"/>
+        <a:font script="Nkoo" typeface="Ebrima"/>
+        <a:font script="Olck" typeface="Nirmala UI"/>
+        <a:font script="Osma" typeface="Ebrima"/>
+        <a:font script="Phag" typeface="Phagspa"/>
+        <a:font script="Syrn" typeface="Estrangelo Edessa"/>
+        <a:font script="Syrj" typeface="Estrangelo Edessa"/>
+        <a:font script="Syre" typeface="Estrangelo Edessa"/>
+        <a:font script="Sora" typeface="Nirmala UI"/>
+        <a:font script="Tale" typeface="Microsoft Tai Le"/>
+        <a:font script="Talu" typeface="Microsoft New Tai Lue"/>
+        <a:font script="Tfng" typeface="Ebrima"/>
+      </a:minorFont>
+    </a:fontScheme>
+    <a:fmtScheme name="Office">
+      <a:fillStyleLst>
+        <a:solidFill>
+          <a:schemeClr val="phClr"/>
+        </a:solidFill>
+        <a:gradFill rotWithShape="1">
+          <a:gsLst>
+            <a:gs pos="0">
+              <a:schemeClr val="phClr">
+                <a:lumMod val="110000"/>
+                <a:satMod val="105000"/>
+                <a:tint val="67000"/>
+              </a:schemeClr>
+            </a:gs>
+            <a:gs pos="50000">
+              <a:schemeClr val="phClr">
+                <a:lumMod val="105000"/>
+                <a:satMod val="103000"/>
+                <a:tint val="73000"/>
+              </a:schemeClr>
+            </a:gs>
+            <a:gs pos="100000">
+              <a:schemeClr val="phClr">
+                <a:lumMod val="105000"/>
+                <a:satMod val="109000"/>
+                <a:tint val="81000"/>
+              </a:schemeClr>
+            </a:gs>
+          </a:gsLst>
+          <a:lin ang="5400000" scaled="0"/>
+        </a:gradFill>
+        <a:gradFill rotWithShape="1">
+          <a:gsLst>
+            <a:gs pos="0">
+              <a:schemeClr val="phClr">
+                <a:satMod val="103000"/>
+                <a:lumMod val="102000"/>
+                <a:tint val="94000"/>
+              </a:schemeClr>
+            </a:gs>
+            <a:gs pos="50000">
+              <a:schemeClr val="phClr">
+                <a:satMod val="110000"/>
+                <a:lumMod val="100000"/>
+                <a:shade val="100000"/>
+              </a:schemeClr>
+            </a:gs>
+            <a:gs pos="100000">
+              <a:schemeClr val="phClr">
+                <a:lumMod val="99000"/>
+                <a:satMod val="120000"/>
+                <a:shade val="78000"/>
+              </a:schemeClr>
+            </a:gs>
+          </a:gsLst>
+          <a:lin ang="5400000" scaled="0"/>
+        </a:gradFill>
+      </a:fillStyleLst>
+      <a:lnStyleLst>
+        <a:ln w="12700" cap="flat" cmpd="sng" algn="ctr">
+          <a:solidFill>
+            <a:schemeClr val="phClr"/>
+          </a:solidFill>
+          <a:prstDash val="solid"/>
+          <a:miter lim="800000"/>
+        </a:ln>
+        <a:ln w="19050" cap="flat" cmpd="sng" algn="ctr">
+          <a:solidFill>
+            <a:schemeClr val="phClr"/>
+          </a:solidFill>
+          <a:prstDash val="solid"/>
+          <a:miter lim="800000"/>
+        </a:ln>
+        <a:ln w="25400" cap="flat" cmpd="sng" algn="ctr">
+          <a:solidFill>
+            <a:schemeClr val="phClr"/>
+          </a:solidFill>
+          <a:prstDash val="solid"/>
+          <a:miter lim="800000"/>
+        </a:ln>
+      </a:lnStyleLst>
+      <a:effectStyleLst>
+        <a:effectStyle>
+          <a:effectLst/>
+        </a:effectStyle>
+        <a:effectStyle>
+          <a:effectLst/>
+        </a:effectStyle>
+        <a:effectStyle>
+          <a:effectLst>
+            <a:outerShdw blurRad="57150" dist="19050" dir="5400000" algn="ctr" rotWithShape="0">
+              <a:srgbClr val="000000">
+                <a:alpha val="63000"/>
+              </a:srgbClr>
+            </a:outerShdw>
+          </a:effectLst>
+        </a:effectStyle>
+      </a:effectStyleLst>
+      <a:bgFillStyleLst>
+        <a:solidFill>
+          <a:schemeClr val="phClr"/>
+        </a:solidFill>
+        <a:solidFill>
+          <a:schemeClr val="phClr">
+            <a:tint val="95000"/>
+            <a:satMod val="170000"/>
+          </a:schemeClr>
+        </a:solidFill>
+        <a:gradFill rotWithShape="1">
+          <a:gsLst>
+            <a:gs pos="0">
+              <a:schemeClr val="phClr">
+                <a:tint val="93000"/>
+                <a:satMod val="150000"/>
+                <a:shade val="98000"/>
+                <a:lumMod val="102000"/>
+              </a:schemeClr>
+            </a:gs>
+            <a:gs pos="50000">
+              <a:schemeClr val="phClr">
+                <a:tint val="98000"/>
+                <a:satMod val="130000"/>
+                <a:shade val="90000"/>
+                <a:lumMod val="103000"/>
+              </a:schemeClr>
+            </a:gs>
+            <a:gs pos="100000">
+              <a:schemeClr val="phClr">
+                <a:shade val="63000"/>
+                <a:satMod val="120000"/>
+              </a:schemeClr>
+            </a:gs>
+          </a:gsLst>
+          <a:lin ang="5400000" scaled="0"/>
+        </a:gradFill>
+      </a:bgFillStyleLst>
+    </a:fmtScheme>
+  </a:themeElements>
+  <a:objectDefaults>
+    <a:lnDef>
+      <a:spPr/>
+      <a:bodyPr/>
+      <a:lstStyle/>
+      <a:style>
+        <a:lnRef idx="2">
+          <a:schemeClr val="accent1"/>
+        </a:lnRef>
+        <a:fillRef idx="0">
+          <a:schemeClr val="accent1"/>
+        </a:fillRef>
+        <a:effectRef idx="1">
+          <a:schemeClr val="accent1"/>
+        </a:effectRef>
+        <a:fontRef idx="minor">
+          <a:schemeClr val="tx1"/>
+        </a:fontRef>
+      </a:style>
+    </a:lnDef>
+  </a:objectDefaults>
+  <a:extraClrSchemeLst/>
+  <a:extLst>
+    <a:ext uri="{05A4C25C-085E-4340-85A3-A5531E510DB2}">
+      <thm15:themeFamily xmlns:thm15="http://schemas.microsoft.com/office/thememl/2012/main" name="Office Theme" id="{2E142A2C-CD16-42D6-873A-C26D2A0506FA}" vid="{1BDDFF52-6CD6-40A5-AB3C-68EB2F1E4D0A}"/>
+    </a:ext>
+  </a:extLst>
+</a:theme>
+</file>
+
 <file path=docMetadata/LabelInfo.xml><?xml version="1.0" encoding="utf-8"?>
 <clbl:labelList xmlns:clbl="http://schemas.microsoft.com/office/2020/mipLabelMetadata">
-  <clbl:label id="{e6c818a6-e1a0-4a6e-a969-20d857c5dc62}" enabled="1" method="Standard" siteId="{90c7a20a-f34b-40bf-bc48-b9253b6f5d20}" contentBits="2" removed="0"/>
+  <clbl:label id="{07222825-62ea-40f3-96b5-5375c07996e2}" enabled="1" method="Privileged" siteId="{90c7a20a-f34b-40bf-bc48-b9253b6f5d20}" contentBits="0" removed="0"/>
 </clbl:labelList>
 </file>
--- a/architecture_popote.pptx
+++ b/architecture_popote.pptx
@@ -197,7 +197,7 @@
           <a:p>
             <a:fld id="{EBDA1805-98B6-E740-8267-BB3373B8287A}" type="datetimeFigureOut">
               <a:rPr lang="fr-FR" smtClean="0"/>
-              <a:t>12/07/2024</a:t>
+              <a:t>16/07/2024</a:t>
             </a:fld>
             <a:endParaRPr lang="fr-FR"/>
           </a:p>
@@ -611,7 +611,7 @@
           <a:p>
             <a:fld id="{5E4C8C83-75DE-AE4B-A0F8-283A8F59F58B}" type="datetime1">
               <a:rPr lang="fr-FR" smtClean="0"/>
-              <a:t>12/07/2024</a:t>
+              <a:t>16/07/2024</a:t>
             </a:fld>
             <a:endParaRPr lang="fr-FR"/>
           </a:p>
@@ -809,7 +809,7 @@
           <a:p>
             <a:fld id="{D9A93060-B9BE-3A48-8324-9B7C210770F6}" type="datetime1">
               <a:rPr lang="fr-FR" smtClean="0"/>
-              <a:t>12/07/2024</a:t>
+              <a:t>16/07/2024</a:t>
             </a:fld>
             <a:endParaRPr lang="fr-FR"/>
           </a:p>
@@ -1017,7 +1017,7 @@
           <a:p>
             <a:fld id="{9463F39F-8424-9548-92E7-B6BD80E10142}" type="datetime1">
               <a:rPr lang="fr-FR" smtClean="0"/>
-              <a:t>12/07/2024</a:t>
+              <a:t>16/07/2024</a:t>
             </a:fld>
             <a:endParaRPr lang="fr-FR"/>
           </a:p>
@@ -1215,7 +1215,7 @@
           <a:p>
             <a:fld id="{865372B7-7B2A-5449-A14E-12A2488A75EC}" type="datetime1">
               <a:rPr lang="fr-FR" smtClean="0"/>
-              <a:t>12/07/2024</a:t>
+              <a:t>16/07/2024</a:t>
             </a:fld>
             <a:endParaRPr lang="fr-FR"/>
           </a:p>
@@ -1490,7 +1490,7 @@
           <a:p>
             <a:fld id="{8B7E6C88-DA27-3845-9B5E-8AE4986699DE}" type="datetime1">
               <a:rPr lang="fr-FR" smtClean="0"/>
-              <a:t>12/07/2024</a:t>
+              <a:t>16/07/2024</a:t>
             </a:fld>
             <a:endParaRPr lang="fr-FR"/>
           </a:p>
@@ -1755,7 +1755,7 @@
           <a:p>
             <a:fld id="{E3708E8C-6216-0048-8954-CE466BEE19EA}" type="datetime1">
               <a:rPr lang="fr-FR" smtClean="0"/>
-              <a:t>12/07/2024</a:t>
+              <a:t>16/07/2024</a:t>
             </a:fld>
             <a:endParaRPr lang="fr-FR"/>
           </a:p>
@@ -2167,7 +2167,7 @@
           <a:p>
             <a:fld id="{0E9C7A03-ECBF-684A-8EE3-94856F26DCB0}" type="datetime1">
               <a:rPr lang="fr-FR" smtClean="0"/>
-              <a:t>12/07/2024</a:t>
+              <a:t>16/07/2024</a:t>
             </a:fld>
             <a:endParaRPr lang="fr-FR"/>
           </a:p>
@@ -2308,7 +2308,7 @@
           <a:p>
             <a:fld id="{79DCABD4-128F-9A4A-9FCB-6976EAEC173F}" type="datetime1">
               <a:rPr lang="fr-FR" smtClean="0"/>
-              <a:t>12/07/2024</a:t>
+              <a:t>16/07/2024</a:t>
             </a:fld>
             <a:endParaRPr lang="fr-FR"/>
           </a:p>
@@ -2421,7 +2421,7 @@
           <a:p>
             <a:fld id="{E076E528-B5EC-9C46-A428-B9727C76F820}" type="datetime1">
               <a:rPr lang="fr-FR" smtClean="0"/>
-              <a:t>12/07/2024</a:t>
+              <a:t>16/07/2024</a:t>
             </a:fld>
             <a:endParaRPr lang="fr-FR"/>
           </a:p>
@@ -2732,7 +2732,7 @@
           <a:p>
             <a:fld id="{77C882D7-C8E7-294E-BE6F-3E27ABEEAF44}" type="datetime1">
               <a:rPr lang="fr-FR" smtClean="0"/>
-              <a:t>12/07/2024</a:t>
+              <a:t>16/07/2024</a:t>
             </a:fld>
             <a:endParaRPr lang="fr-FR"/>
           </a:p>
@@ -3020,7 +3020,7 @@
           <a:p>
             <a:fld id="{95AB6688-898E-AC45-8D09-28A5E817A8B7}" type="datetime1">
               <a:rPr lang="fr-FR" smtClean="0"/>
-              <a:t>12/07/2024</a:t>
+              <a:t>16/07/2024</a:t>
             </a:fld>
             <a:endParaRPr lang="fr-FR"/>
           </a:p>
@@ -3261,7 +3261,7 @@
           <a:p>
             <a:fld id="{A86AB277-0BA6-114A-9868-A25C2DCEC67B}" type="datetime1">
               <a:rPr lang="fr-FR" smtClean="0"/>
-              <a:t>12/07/2024</a:t>
+              <a:t>16/07/2024</a:t>
             </a:fld>
             <a:endParaRPr lang="fr-FR"/>
           </a:p>
@@ -3693,8 +3693,8 @@
         </p:nvGrpSpPr>
         <p:grpSpPr>
           <a:xfrm>
-            <a:off x="7871211" y="249326"/>
-            <a:ext cx="3893274" cy="4409173"/>
+            <a:off x="8166805" y="157660"/>
+            <a:ext cx="3801249" cy="4541703"/>
             <a:chOff x="8187559" y="366789"/>
             <a:chExt cx="3342289" cy="3973983"/>
           </a:xfrm>
@@ -3765,8 +3765,8 @@
           </p:nvSpPr>
           <p:spPr>
             <a:xfrm>
-              <a:off x="8555420" y="366789"/>
-              <a:ext cx="2554014" cy="468072"/>
+              <a:off x="8330335" y="366789"/>
+              <a:ext cx="3016128" cy="582537"/>
             </a:xfrm>
             <a:prstGeom prst="rect">
               <a:avLst/>
@@ -3789,7 +3789,7 @@
               </a:br>
               <a:r>
                 <a:rPr lang="fr-FR" dirty="0"/>
-                <a:t>Linux + Docker</a:t>
+                <a:t>Linux + Docker + certificats https</a:t>
               </a:r>
             </a:p>
           </p:txBody>
@@ -3809,7 +3809,7 @@
         </p:nvGrpSpPr>
         <p:grpSpPr>
           <a:xfrm>
-            <a:off x="8182991" y="813198"/>
+            <a:off x="8487944" y="878093"/>
             <a:ext cx="3236061" cy="2774190"/>
             <a:chOff x="3184635" y="676579"/>
             <a:chExt cx="2501462" cy="2581966"/>
@@ -4251,7 +4251,7 @@
         </p:nvSpPr>
         <p:spPr>
           <a:xfrm>
-            <a:off x="8182990" y="3879774"/>
+            <a:off x="8487942" y="3868269"/>
             <a:ext cx="3236061" cy="573482"/>
           </a:xfrm>
           <a:prstGeom prst="rect">
@@ -4322,7 +4322,7 @@
         </p:nvSpPr>
         <p:spPr>
           <a:xfrm>
-            <a:off x="4179112" y="321734"/>
+            <a:off x="4473210" y="321734"/>
             <a:ext cx="2669059" cy="3126242"/>
           </a:xfrm>
           <a:prstGeom prst="rect">
@@ -4586,8 +4586,8 @@
         </p:nvSpPr>
         <p:spPr>
           <a:xfrm>
-            <a:off x="969378" y="273839"/>
-            <a:ext cx="2669059" cy="739036"/>
+            <a:off x="156395" y="231763"/>
+            <a:ext cx="2669058" cy="739036"/>
           </a:xfrm>
           <a:prstGeom prst="rect">
             <a:avLst/>
@@ -4641,7 +4641,7 @@
         </p:nvSpPr>
         <p:spPr>
           <a:xfrm>
-            <a:off x="8921863" y="4930345"/>
+            <a:off x="8881382" y="5029770"/>
             <a:ext cx="2842621" cy="1655805"/>
           </a:xfrm>
           <a:prstGeom prst="rect">
@@ -5123,7 +5123,7 @@
         <p:spPr>
           <a:xfrm>
             <a:off x="803906" y="3842513"/>
-            <a:ext cx="790832" cy="369332"/>
+            <a:ext cx="851324" cy="369332"/>
           </a:xfrm>
           <a:prstGeom prst="rect">
             <a:avLst/>
@@ -5138,7 +5138,7 @@
           <a:p>
             <a:r>
               <a:rPr lang="fr-FR" dirty="0"/>
-              <a:t>HTTP</a:t>
+              <a:t>HTTPS</a:t>
             </a:r>
           </a:p>
         </p:txBody>
@@ -5232,8 +5232,8 @@
         </p:nvSpPr>
         <p:spPr>
           <a:xfrm>
-            <a:off x="3159385" y="1515523"/>
-            <a:ext cx="790832" cy="369332"/>
+            <a:off x="3079937" y="1515523"/>
+            <a:ext cx="870280" cy="369332"/>
           </a:xfrm>
           <a:prstGeom prst="rect">
             <a:avLst/>
@@ -5248,7 +5248,7 @@
           <a:p>
             <a:r>
               <a:rPr lang="fr-FR" dirty="0"/>
-              <a:t>HTTP</a:t>
+              <a:t>HTTPS</a:t>
             </a:r>
           </a:p>
         </p:txBody>
@@ -5267,8 +5267,8 @@
         </p:nvSpPr>
         <p:spPr>
           <a:xfrm>
-            <a:off x="7071487" y="1375348"/>
-            <a:ext cx="790832" cy="369332"/>
+            <a:off x="7002401" y="1360849"/>
+            <a:ext cx="921077" cy="369332"/>
           </a:xfrm>
           <a:prstGeom prst="rect">
             <a:avLst/>
@@ -5283,7 +5283,7 @@
           <a:p>
             <a:r>
               <a:rPr lang="fr-FR" dirty="0"/>
-              <a:t>HTTP</a:t>
+              <a:t>HTTPS</a:t>
             </a:r>
           </a:p>
         </p:txBody>
@@ -5450,7 +5450,7 @@
         <p:spPr>
           <a:xfrm>
             <a:off x="2893004" y="2931502"/>
-            <a:ext cx="1193037" cy="163502"/>
+            <a:ext cx="1580206" cy="131667"/>
           </a:xfrm>
           <a:prstGeom prst="straightConnector1">
             <a:avLst/>
@@ -5491,7 +5491,7 @@
         </p:nvCxnSpPr>
         <p:spPr>
           <a:xfrm>
-            <a:off x="6913280" y="3174045"/>
+            <a:off x="7202549" y="3184555"/>
             <a:ext cx="953868" cy="0"/>
           </a:xfrm>
           <a:prstGeom prst="straightConnector1">
@@ -5646,13 +5646,14 @@
           </p:cNvPr>
           <p:cNvCxnSpPr>
             <a:cxnSpLocks/>
+            <a:endCxn id="22" idx="1"/>
           </p:cNvCxnSpPr>
           <p:nvPr/>
         </p:nvCxnSpPr>
         <p:spPr>
           <a:xfrm flipV="1">
-            <a:off x="2825454" y="1804344"/>
-            <a:ext cx="1293582" cy="331346"/>
+            <a:off x="2825454" y="1884855"/>
+            <a:ext cx="1647756" cy="250835"/>
           </a:xfrm>
           <a:prstGeom prst="straightConnector1">
             <a:avLst/>
@@ -5694,7 +5695,7 @@
         </p:nvCxnSpPr>
         <p:spPr>
           <a:xfrm>
-            <a:off x="6848171" y="1884855"/>
+            <a:off x="7142269" y="1884855"/>
             <a:ext cx="1014148" cy="0"/>
           </a:xfrm>
           <a:prstGeom prst="straightConnector1">

--- a/architecture_popote.pptx
+++ b/architecture_popote.pptx
@@ -4322,7 +4322,7 @@
         </p:nvSpPr>
         <p:spPr>
           <a:xfrm>
-            <a:off x="4473210" y="321734"/>
+            <a:off x="4473210" y="227572"/>
             <a:ext cx="2669059" cy="3126242"/>
           </a:xfrm>
           <a:prstGeom prst="rect">
@@ -4586,7 +4586,7 @@
         </p:nvSpPr>
         <p:spPr>
           <a:xfrm>
-            <a:off x="156395" y="231763"/>
+            <a:off x="153291" y="189444"/>
             <a:ext cx="2669058" cy="739036"/>
           </a:xfrm>
           <a:prstGeom prst="rect">
@@ -4641,7 +4641,7 @@
         </p:nvSpPr>
         <p:spPr>
           <a:xfrm>
-            <a:off x="8881382" y="5029770"/>
+            <a:off x="8827460" y="4980421"/>
             <a:ext cx="2842621" cy="1655805"/>
           </a:xfrm>
           <a:prstGeom prst="rect">
@@ -4771,8 +4771,8 @@
         </p:nvSpPr>
         <p:spPr>
           <a:xfrm>
-            <a:off x="3638437" y="4930345"/>
-            <a:ext cx="3526510" cy="1655806"/>
+            <a:off x="3854733" y="4466389"/>
+            <a:ext cx="3526510" cy="1415222"/>
           </a:xfrm>
           <a:prstGeom prst="rect">
             <a:avLst/>
@@ -4981,8 +4981,8 @@
         </p:nvSpPr>
         <p:spPr>
           <a:xfrm>
-            <a:off x="223946" y="4839235"/>
-            <a:ext cx="2669058" cy="1655807"/>
+            <a:off x="156395" y="5150061"/>
+            <a:ext cx="2544849" cy="1415222"/>
           </a:xfrm>
           <a:prstGeom prst="rect">
             <a:avLst/>
@@ -5152,13 +5152,17 @@
               </a:ext>
             </a:extLst>
           </p:cNvPr>
-          <p:cNvCxnSpPr/>
+          <p:cNvCxnSpPr>
+            <a:cxnSpLocks/>
+            <a:stCxn id="24" idx="2"/>
+            <a:endCxn id="23" idx="3"/>
+          </p:cNvCxnSpPr>
           <p:nvPr/>
         </p:nvCxnSpPr>
         <p:spPr>
-          <a:xfrm flipH="1">
-            <a:off x="1839377" y="1044710"/>
-            <a:ext cx="124282" cy="941627"/>
+          <a:xfrm>
+            <a:off x="1487820" y="928480"/>
+            <a:ext cx="167410" cy="1124536"/>
           </a:xfrm>
           <a:prstGeom prst="straightConnector1">
             <a:avLst/>
@@ -5197,7 +5201,7 @@
         </p:nvSpPr>
         <p:spPr>
           <a:xfrm>
-            <a:off x="1124052" y="1306039"/>
+            <a:off x="904415" y="1306082"/>
             <a:ext cx="766532" cy="369332"/>
           </a:xfrm>
           <a:prstGeom prst="rect">
@@ -5267,7 +5271,7 @@
         </p:nvSpPr>
         <p:spPr>
           <a:xfrm>
-            <a:off x="7002401" y="1360849"/>
+            <a:off x="7124299" y="1307414"/>
             <a:ext cx="921077" cy="369332"/>
           </a:xfrm>
           <a:prstGeom prst="rect">
@@ -5297,13 +5301,16 @@
               </a:ext>
             </a:extLst>
           </p:cNvPr>
-          <p:cNvCxnSpPr/>
+          <p:cNvCxnSpPr>
+            <a:cxnSpLocks/>
+            <a:endCxn id="26" idx="1"/>
+          </p:cNvCxnSpPr>
           <p:nvPr/>
         </p:nvCxnSpPr>
         <p:spPr>
           <a:xfrm>
-            <a:off x="2582562" y="3095004"/>
-            <a:ext cx="2113006" cy="1835341"/>
+            <a:off x="2178237" y="3238535"/>
+            <a:ext cx="1676496" cy="1935465"/>
           </a:xfrm>
           <a:prstGeom prst="straightConnector1">
             <a:avLst/>
@@ -5342,7 +5349,7 @@
         </p:nvSpPr>
         <p:spPr>
           <a:xfrm>
-            <a:off x="2893004" y="4012674"/>
+            <a:off x="2570360" y="3844831"/>
             <a:ext cx="1160012" cy="369332"/>
           </a:xfrm>
           <a:prstGeom prst="rect">
@@ -5377,7 +5384,7 @@
         </p:nvSpPr>
         <p:spPr>
           <a:xfrm>
-            <a:off x="7073351" y="2677891"/>
+            <a:off x="7155990" y="2665985"/>
             <a:ext cx="1160012" cy="369332"/>
           </a:xfrm>
           <a:prstGeom prst="rect">
@@ -5449,8 +5456,8 @@
         </p:nvCxnSpPr>
         <p:spPr>
           <a:xfrm>
-            <a:off x="2893004" y="2931502"/>
-            <a:ext cx="1580206" cy="131667"/>
+            <a:off x="2822349" y="2817878"/>
+            <a:ext cx="1650861" cy="291034"/>
           </a:xfrm>
           <a:prstGeom prst="straightConnector1">
             <a:avLst/>
@@ -5528,13 +5535,15 @@
           </p:cNvPr>
           <p:cNvCxnSpPr>
             <a:cxnSpLocks/>
+            <a:stCxn id="25" idx="1"/>
+            <a:endCxn id="26" idx="3"/>
           </p:cNvCxnSpPr>
           <p:nvPr/>
         </p:nvCxnSpPr>
         <p:spPr>
           <a:xfrm flipH="1" flipV="1">
-            <a:off x="7211534" y="5758247"/>
-            <a:ext cx="1663741" cy="18793"/>
+            <a:off x="7381243" y="5174000"/>
+            <a:ext cx="1446217" cy="634324"/>
           </a:xfrm>
           <a:prstGeom prst="straightConnector1">
             <a:avLst/>
@@ -5572,7 +5581,7 @@
         </p:nvSpPr>
         <p:spPr>
           <a:xfrm>
-            <a:off x="7500551" y="5251622"/>
+            <a:off x="7488954" y="5777932"/>
             <a:ext cx="1217078" cy="369332"/>
           </a:xfrm>
           <a:prstGeom prst="rect">
@@ -5603,14 +5612,16 @@
             </a:extLst>
           </p:cNvPr>
           <p:cNvCxnSpPr>
+            <a:cxnSpLocks/>
             <a:stCxn id="23" idx="1"/>
+            <a:endCxn id="27" idx="0"/>
           </p:cNvCxnSpPr>
           <p:nvPr/>
         </p:nvCxnSpPr>
         <p:spPr>
           <a:xfrm flipH="1">
-            <a:off x="1507318" y="3384343"/>
-            <a:ext cx="147912" cy="1454892"/>
+            <a:off x="1428820" y="3384343"/>
+            <a:ext cx="226410" cy="1765718"/>
           </a:xfrm>
           <a:prstGeom prst="straightConnector1">
             <a:avLst/>
@@ -5652,8 +5663,8 @@
         </p:nvCxnSpPr>
         <p:spPr>
           <a:xfrm flipV="1">
-            <a:off x="2825454" y="1884855"/>
-            <a:ext cx="1647756" cy="250835"/>
+            <a:off x="2822349" y="1790693"/>
+            <a:ext cx="1650861" cy="425944"/>
           </a:xfrm>
           <a:prstGeom prst="straightConnector1">
             <a:avLst/>
@@ -5695,7 +5706,7 @@
         </p:nvCxnSpPr>
         <p:spPr>
           <a:xfrm>
-            <a:off x="7142269" y="1884855"/>
+            <a:off x="7142269" y="1790693"/>
             <a:ext cx="1014148" cy="0"/>
           </a:xfrm>
           <a:prstGeom prst="straightConnector1">
